--- a/PPE(1).pptx
+++ b/PPE(1).pptx
@@ -2170,2240 +2170,6 @@
       <dsp:cNvGrpSpPr/>
     </dsp:nvGrpSpPr>
     <dsp:grpSpPr/>
-    <dsp:sp modelId="{DEADF7DC-A315-4B40-8024-E4418EED31F8}">
-      <dsp:nvSpPr>
-        <dsp:cNvPr id="0" name=""/>
-        <dsp:cNvSpPr/>
-      </dsp:nvSpPr>
-      <dsp:spPr>
-        <a:xfrm>
-          <a:off x="4298156" y="947589"/>
-          <a:ext cx="3686152" cy="255898"/>
-        </a:xfrm>
-        <a:custGeom>
-          <a:avLst/>
-          <a:gdLst/>
-          <a:ahLst/>
-          <a:cxnLst/>
-          <a:rect l="0" t="0" r="0" b="0"/>
-          <a:pathLst>
-            <a:path>
-              <a:moveTo>
-                <a:pt x="0" y="0"/>
-              </a:moveTo>
-              <a:lnTo>
-                <a:pt x="0" y="127949"/>
-              </a:lnTo>
-              <a:lnTo>
-                <a:pt x="3686152" y="127949"/>
-              </a:lnTo>
-              <a:lnTo>
-                <a:pt x="3686152" y="255898"/>
-              </a:lnTo>
-            </a:path>
-          </a:pathLst>
-        </a:custGeom>
-        <a:noFill/>
-        <a:ln w="19050" cap="rnd" cmpd="sng" algn="ctr">
-          <a:solidFill>
-            <a:schemeClr val="accent1">
-              <a:shade val="60000"/>
-              <a:hueOff val="0"/>
-              <a:satOff val="0"/>
-              <a:lumOff val="0"/>
-              <a:alphaOff val="0"/>
-            </a:schemeClr>
-          </a:solidFill>
-          <a:prstDash val="solid"/>
-        </a:ln>
-        <a:effectLst/>
-      </dsp:spPr>
-      <dsp:style>
-        <a:lnRef idx="2">
-          <a:scrgbClr r="0" g="0" b="0"/>
-        </a:lnRef>
-        <a:fillRef idx="0">
-          <a:scrgbClr r="0" g="0" b="0"/>
-        </a:fillRef>
-        <a:effectRef idx="0">
-          <a:scrgbClr r="0" g="0" b="0"/>
-        </a:effectRef>
-        <a:fontRef idx="minor"/>
-      </dsp:style>
-    </dsp:sp>
-    <dsp:sp modelId="{4832CDD1-7054-4622-AD3C-AA1FE8B53BD0}">
-      <dsp:nvSpPr>
-        <dsp:cNvPr id="0" name=""/>
-        <dsp:cNvSpPr/>
-      </dsp:nvSpPr>
-      <dsp:spPr>
-        <a:xfrm>
-          <a:off x="4298156" y="947589"/>
-          <a:ext cx="2211691" cy="255898"/>
-        </a:xfrm>
-        <a:custGeom>
-          <a:avLst/>
-          <a:gdLst/>
-          <a:ahLst/>
-          <a:cxnLst/>
-          <a:rect l="0" t="0" r="0" b="0"/>
-          <a:pathLst>
-            <a:path>
-              <a:moveTo>
-                <a:pt x="0" y="0"/>
-              </a:moveTo>
-              <a:lnTo>
-                <a:pt x="0" y="127949"/>
-              </a:lnTo>
-              <a:lnTo>
-                <a:pt x="2211691" y="127949"/>
-              </a:lnTo>
-              <a:lnTo>
-                <a:pt x="2211691" y="255898"/>
-              </a:lnTo>
-            </a:path>
-          </a:pathLst>
-        </a:custGeom>
-        <a:noFill/>
-        <a:ln w="19050" cap="rnd" cmpd="sng" algn="ctr">
-          <a:solidFill>
-            <a:schemeClr val="accent1">
-              <a:shade val="60000"/>
-              <a:hueOff val="0"/>
-              <a:satOff val="0"/>
-              <a:lumOff val="0"/>
-              <a:alphaOff val="0"/>
-            </a:schemeClr>
-          </a:solidFill>
-          <a:prstDash val="solid"/>
-        </a:ln>
-        <a:effectLst/>
-      </dsp:spPr>
-      <dsp:style>
-        <a:lnRef idx="2">
-          <a:scrgbClr r="0" g="0" b="0"/>
-        </a:lnRef>
-        <a:fillRef idx="0">
-          <a:scrgbClr r="0" g="0" b="0"/>
-        </a:fillRef>
-        <a:effectRef idx="0">
-          <a:scrgbClr r="0" g="0" b="0"/>
-        </a:effectRef>
-        <a:fontRef idx="minor"/>
-      </dsp:style>
-    </dsp:sp>
-    <dsp:sp modelId="{58E99159-6AF2-4BD3-AD78-0B5E88DB3AFA}">
-      <dsp:nvSpPr>
-        <dsp:cNvPr id="0" name=""/>
-        <dsp:cNvSpPr/>
-      </dsp:nvSpPr>
-      <dsp:spPr>
-        <a:xfrm>
-          <a:off x="5035386" y="1812769"/>
-          <a:ext cx="560538" cy="1230748"/>
-        </a:xfrm>
-        <a:custGeom>
-          <a:avLst/>
-          <a:gdLst/>
-          <a:ahLst/>
-          <a:cxnLst/>
-          <a:rect l="0" t="0" r="0" b="0"/>
-          <a:pathLst>
-            <a:path>
-              <a:moveTo>
-                <a:pt x="0" y="0"/>
-              </a:moveTo>
-              <a:lnTo>
-                <a:pt x="0" y="1230748"/>
-              </a:lnTo>
-              <a:lnTo>
-                <a:pt x="560538" y="1230748"/>
-              </a:lnTo>
-            </a:path>
-          </a:pathLst>
-        </a:custGeom>
-        <a:noFill/>
-        <a:ln w="19050" cap="rnd" cmpd="sng" algn="ctr">
-          <a:solidFill>
-            <a:schemeClr val="accent1">
-              <a:shade val="80000"/>
-              <a:hueOff val="0"/>
-              <a:satOff val="0"/>
-              <a:lumOff val="0"/>
-              <a:alphaOff val="0"/>
-            </a:schemeClr>
-          </a:solidFill>
-          <a:prstDash val="solid"/>
-        </a:ln>
-        <a:effectLst/>
-      </dsp:spPr>
-      <dsp:style>
-        <a:lnRef idx="2">
-          <a:scrgbClr r="0" g="0" b="0"/>
-        </a:lnRef>
-        <a:fillRef idx="0">
-          <a:scrgbClr r="0" g="0" b="0"/>
-        </a:fillRef>
-        <a:effectRef idx="0">
-          <a:scrgbClr r="0" g="0" b="0"/>
-        </a:effectRef>
-        <a:fontRef idx="minor"/>
-      </dsp:style>
-    </dsp:sp>
-    <dsp:sp modelId="{07515971-C9B6-4B5A-85D8-E60D9C3BFD0C}">
-      <dsp:nvSpPr>
-        <dsp:cNvPr id="0" name=""/>
-        <dsp:cNvSpPr/>
-      </dsp:nvSpPr>
-      <dsp:spPr>
-        <a:xfrm>
-          <a:off x="5035386" y="1812769"/>
-          <a:ext cx="560538" cy="365568"/>
-        </a:xfrm>
-        <a:custGeom>
-          <a:avLst/>
-          <a:gdLst/>
-          <a:ahLst/>
-          <a:cxnLst/>
-          <a:rect l="0" t="0" r="0" b="0"/>
-          <a:pathLst>
-            <a:path>
-              <a:moveTo>
-                <a:pt x="0" y="0"/>
-              </a:moveTo>
-              <a:lnTo>
-                <a:pt x="0" y="365568"/>
-              </a:lnTo>
-              <a:lnTo>
-                <a:pt x="560538" y="365568"/>
-              </a:lnTo>
-            </a:path>
-          </a:pathLst>
-        </a:custGeom>
-        <a:noFill/>
-        <a:ln w="19050" cap="rnd" cmpd="sng" algn="ctr">
-          <a:solidFill>
-            <a:schemeClr val="accent1">
-              <a:shade val="80000"/>
-              <a:hueOff val="0"/>
-              <a:satOff val="0"/>
-              <a:lumOff val="0"/>
-              <a:alphaOff val="0"/>
-            </a:schemeClr>
-          </a:solidFill>
-          <a:prstDash val="solid"/>
-        </a:ln>
-        <a:effectLst/>
-      </dsp:spPr>
-      <dsp:style>
-        <a:lnRef idx="2">
-          <a:scrgbClr r="0" g="0" b="0"/>
-        </a:lnRef>
-        <a:fillRef idx="0">
-          <a:scrgbClr r="0" g="0" b="0"/>
-        </a:fillRef>
-        <a:effectRef idx="0">
-          <a:scrgbClr r="0" g="0" b="0"/>
-        </a:effectRef>
-        <a:fontRef idx="minor"/>
-      </dsp:style>
-    </dsp:sp>
-    <dsp:sp modelId="{372D8F6B-C47B-4CB5-BEF4-9116BBFD12C7}">
-      <dsp:nvSpPr>
-        <dsp:cNvPr id="0" name=""/>
-        <dsp:cNvSpPr/>
-      </dsp:nvSpPr>
-      <dsp:spPr>
-        <a:xfrm>
-          <a:off x="4298156" y="947589"/>
-          <a:ext cx="737230" cy="255898"/>
-        </a:xfrm>
-        <a:custGeom>
-          <a:avLst/>
-          <a:gdLst/>
-          <a:ahLst/>
-          <a:cxnLst/>
-          <a:rect l="0" t="0" r="0" b="0"/>
-          <a:pathLst>
-            <a:path>
-              <a:moveTo>
-                <a:pt x="0" y="0"/>
-              </a:moveTo>
-              <a:lnTo>
-                <a:pt x="0" y="127949"/>
-              </a:lnTo>
-              <a:lnTo>
-                <a:pt x="737230" y="127949"/>
-              </a:lnTo>
-              <a:lnTo>
-                <a:pt x="737230" y="255898"/>
-              </a:lnTo>
-            </a:path>
-          </a:pathLst>
-        </a:custGeom>
-        <a:noFill/>
-        <a:ln w="19050" cap="rnd" cmpd="sng" algn="ctr">
-          <a:solidFill>
-            <a:schemeClr val="accent1">
-              <a:shade val="60000"/>
-              <a:hueOff val="0"/>
-              <a:satOff val="0"/>
-              <a:lumOff val="0"/>
-              <a:alphaOff val="0"/>
-            </a:schemeClr>
-          </a:solidFill>
-          <a:prstDash val="solid"/>
-        </a:ln>
-        <a:effectLst/>
-      </dsp:spPr>
-      <dsp:style>
-        <a:lnRef idx="2">
-          <a:scrgbClr r="0" g="0" b="0"/>
-        </a:lnRef>
-        <a:fillRef idx="0">
-          <a:scrgbClr r="0" g="0" b="0"/>
-        </a:fillRef>
-        <a:effectRef idx="0">
-          <a:scrgbClr r="0" g="0" b="0"/>
-        </a:effectRef>
-        <a:fontRef idx="minor"/>
-      </dsp:style>
-    </dsp:sp>
-    <dsp:sp modelId="{7C731E7A-8F6E-46E1-91B7-B1E16D9EA16C}">
-      <dsp:nvSpPr>
-        <dsp:cNvPr id="0" name=""/>
-        <dsp:cNvSpPr/>
-      </dsp:nvSpPr>
-      <dsp:spPr>
-        <a:xfrm>
-          <a:off x="3560925" y="2677949"/>
-          <a:ext cx="560538" cy="365568"/>
-        </a:xfrm>
-        <a:custGeom>
-          <a:avLst/>
-          <a:gdLst/>
-          <a:ahLst/>
-          <a:cxnLst/>
-          <a:rect l="0" t="0" r="0" b="0"/>
-          <a:pathLst>
-            <a:path>
-              <a:moveTo>
-                <a:pt x="0" y="0"/>
-              </a:moveTo>
-              <a:lnTo>
-                <a:pt x="0" y="365568"/>
-              </a:lnTo>
-              <a:lnTo>
-                <a:pt x="560538" y="365568"/>
-              </a:lnTo>
-            </a:path>
-          </a:pathLst>
-        </a:custGeom>
-        <a:noFill/>
-        <a:ln w="19050" cap="rnd" cmpd="sng" algn="ctr">
-          <a:solidFill>
-            <a:schemeClr val="accent1">
-              <a:shade val="80000"/>
-              <a:hueOff val="0"/>
-              <a:satOff val="0"/>
-              <a:lumOff val="0"/>
-              <a:alphaOff val="0"/>
-            </a:schemeClr>
-          </a:solidFill>
-          <a:prstDash val="solid"/>
-        </a:ln>
-        <a:effectLst/>
-      </dsp:spPr>
-      <dsp:style>
-        <a:lnRef idx="2">
-          <a:scrgbClr r="0" g="0" b="0"/>
-        </a:lnRef>
-        <a:fillRef idx="0">
-          <a:scrgbClr r="0" g="0" b="0"/>
-        </a:fillRef>
-        <a:effectRef idx="0">
-          <a:scrgbClr r="0" g="0" b="0"/>
-        </a:effectRef>
-        <a:fontRef idx="minor"/>
-      </dsp:style>
-    </dsp:sp>
-    <dsp:sp modelId="{60835A8E-832E-434C-AAE5-D3AEC9CFA92F}">
-      <dsp:nvSpPr>
-        <dsp:cNvPr id="0" name=""/>
-        <dsp:cNvSpPr/>
-      </dsp:nvSpPr>
-      <dsp:spPr>
-        <a:xfrm>
-          <a:off x="3515205" y="1812769"/>
-          <a:ext cx="91440" cy="255898"/>
-        </a:xfrm>
-        <a:custGeom>
-          <a:avLst/>
-          <a:gdLst/>
-          <a:ahLst/>
-          <a:cxnLst/>
-          <a:rect l="0" t="0" r="0" b="0"/>
-          <a:pathLst>
-            <a:path>
-              <a:moveTo>
-                <a:pt x="45720" y="0"/>
-              </a:moveTo>
-              <a:lnTo>
-                <a:pt x="45720" y="255898"/>
-              </a:lnTo>
-            </a:path>
-          </a:pathLst>
-        </a:custGeom>
-        <a:noFill/>
-        <a:ln w="19050" cap="rnd" cmpd="sng" algn="ctr">
-          <a:solidFill>
-            <a:schemeClr val="accent1">
-              <a:shade val="80000"/>
-              <a:hueOff val="0"/>
-              <a:satOff val="0"/>
-              <a:lumOff val="0"/>
-              <a:alphaOff val="0"/>
-            </a:schemeClr>
-          </a:solidFill>
-          <a:prstDash val="solid"/>
-        </a:ln>
-        <a:effectLst/>
-      </dsp:spPr>
-      <dsp:style>
-        <a:lnRef idx="2">
-          <a:scrgbClr r="0" g="0" b="0"/>
-        </a:lnRef>
-        <a:fillRef idx="0">
-          <a:scrgbClr r="0" g="0" b="0"/>
-        </a:fillRef>
-        <a:effectRef idx="0">
-          <a:scrgbClr r="0" g="0" b="0"/>
-        </a:effectRef>
-        <a:fontRef idx="minor"/>
-      </dsp:style>
-    </dsp:sp>
-    <dsp:sp modelId="{087B18AB-9DE6-4A60-8DE8-389CE36DD817}">
-      <dsp:nvSpPr>
-        <dsp:cNvPr id="0" name=""/>
-        <dsp:cNvSpPr/>
-      </dsp:nvSpPr>
-      <dsp:spPr>
-        <a:xfrm>
-          <a:off x="3560925" y="947589"/>
-          <a:ext cx="737230" cy="255898"/>
-        </a:xfrm>
-        <a:custGeom>
-          <a:avLst/>
-          <a:gdLst/>
-          <a:ahLst/>
-          <a:cxnLst/>
-          <a:rect l="0" t="0" r="0" b="0"/>
-          <a:pathLst>
-            <a:path>
-              <a:moveTo>
-                <a:pt x="737230" y="0"/>
-              </a:moveTo>
-              <a:lnTo>
-                <a:pt x="737230" y="127949"/>
-              </a:lnTo>
-              <a:lnTo>
-                <a:pt x="0" y="127949"/>
-              </a:lnTo>
-              <a:lnTo>
-                <a:pt x="0" y="255898"/>
-              </a:lnTo>
-            </a:path>
-          </a:pathLst>
-        </a:custGeom>
-        <a:noFill/>
-        <a:ln w="19050" cap="rnd" cmpd="sng" algn="ctr">
-          <a:solidFill>
-            <a:schemeClr val="accent1">
-              <a:shade val="60000"/>
-              <a:hueOff val="0"/>
-              <a:satOff val="0"/>
-              <a:lumOff val="0"/>
-              <a:alphaOff val="0"/>
-            </a:schemeClr>
-          </a:solidFill>
-          <a:prstDash val="solid"/>
-        </a:ln>
-        <a:effectLst/>
-      </dsp:spPr>
-      <dsp:style>
-        <a:lnRef idx="2">
-          <a:scrgbClr r="0" g="0" b="0"/>
-        </a:lnRef>
-        <a:fillRef idx="0">
-          <a:scrgbClr r="0" g="0" b="0"/>
-        </a:fillRef>
-        <a:effectRef idx="0">
-          <a:scrgbClr r="0" g="0" b="0"/>
-        </a:effectRef>
-        <a:fontRef idx="minor"/>
-      </dsp:style>
-    </dsp:sp>
-    <dsp:sp modelId="{22BA89A8-D67A-449F-B167-577F74F69568}">
-      <dsp:nvSpPr>
-        <dsp:cNvPr id="0" name=""/>
-        <dsp:cNvSpPr/>
-      </dsp:nvSpPr>
-      <dsp:spPr>
-        <a:xfrm>
-          <a:off x="2086464" y="947589"/>
-          <a:ext cx="2211691" cy="255898"/>
-        </a:xfrm>
-        <a:custGeom>
-          <a:avLst/>
-          <a:gdLst/>
-          <a:ahLst/>
-          <a:cxnLst/>
-          <a:rect l="0" t="0" r="0" b="0"/>
-          <a:pathLst>
-            <a:path>
-              <a:moveTo>
-                <a:pt x="2211691" y="0"/>
-              </a:moveTo>
-              <a:lnTo>
-                <a:pt x="2211691" y="127949"/>
-              </a:lnTo>
-              <a:lnTo>
-                <a:pt x="0" y="127949"/>
-              </a:lnTo>
-              <a:lnTo>
-                <a:pt x="0" y="255898"/>
-              </a:lnTo>
-            </a:path>
-          </a:pathLst>
-        </a:custGeom>
-        <a:noFill/>
-        <a:ln w="19050" cap="rnd" cmpd="sng" algn="ctr">
-          <a:solidFill>
-            <a:schemeClr val="accent1">
-              <a:shade val="60000"/>
-              <a:hueOff val="0"/>
-              <a:satOff val="0"/>
-              <a:lumOff val="0"/>
-              <a:alphaOff val="0"/>
-            </a:schemeClr>
-          </a:solidFill>
-          <a:prstDash val="solid"/>
-        </a:ln>
-        <a:effectLst/>
-      </dsp:spPr>
-      <dsp:style>
-        <a:lnRef idx="2">
-          <a:scrgbClr r="0" g="0" b="0"/>
-        </a:lnRef>
-        <a:fillRef idx="0">
-          <a:scrgbClr r="0" g="0" b="0"/>
-        </a:fillRef>
-        <a:effectRef idx="0">
-          <a:scrgbClr r="0" g="0" b="0"/>
-        </a:effectRef>
-        <a:fontRef idx="minor"/>
-      </dsp:style>
-    </dsp:sp>
-    <dsp:sp modelId="{EEA1F649-E2A0-4975-808C-A3E923539CB5}">
-      <dsp:nvSpPr>
-        <dsp:cNvPr id="0" name=""/>
-        <dsp:cNvSpPr/>
-      </dsp:nvSpPr>
-      <dsp:spPr>
-        <a:xfrm>
-          <a:off x="612003" y="947589"/>
-          <a:ext cx="3686152" cy="255898"/>
-        </a:xfrm>
-        <a:custGeom>
-          <a:avLst/>
-          <a:gdLst/>
-          <a:ahLst/>
-          <a:cxnLst/>
-          <a:rect l="0" t="0" r="0" b="0"/>
-          <a:pathLst>
-            <a:path>
-              <a:moveTo>
-                <a:pt x="3686152" y="0"/>
-              </a:moveTo>
-              <a:lnTo>
-                <a:pt x="3686152" y="127949"/>
-              </a:lnTo>
-              <a:lnTo>
-                <a:pt x="0" y="127949"/>
-              </a:lnTo>
-              <a:lnTo>
-                <a:pt x="0" y="255898"/>
-              </a:lnTo>
-            </a:path>
-          </a:pathLst>
-        </a:custGeom>
-        <a:noFill/>
-        <a:ln w="19050" cap="rnd" cmpd="sng" algn="ctr">
-          <a:solidFill>
-            <a:schemeClr val="accent1">
-              <a:shade val="60000"/>
-              <a:hueOff val="0"/>
-              <a:satOff val="0"/>
-              <a:lumOff val="0"/>
-              <a:alphaOff val="0"/>
-            </a:schemeClr>
-          </a:solidFill>
-          <a:prstDash val="solid"/>
-        </a:ln>
-        <a:effectLst/>
-      </dsp:spPr>
-      <dsp:style>
-        <a:lnRef idx="2">
-          <a:scrgbClr r="0" g="0" b="0"/>
-        </a:lnRef>
-        <a:fillRef idx="0">
-          <a:scrgbClr r="0" g="0" b="0"/>
-        </a:fillRef>
-        <a:effectRef idx="0">
-          <a:scrgbClr r="0" g="0" b="0"/>
-        </a:effectRef>
-        <a:fontRef idx="minor"/>
-      </dsp:style>
-    </dsp:sp>
-    <dsp:sp modelId="{E4F76FE1-35A6-424D-9A1C-730C0BB2B35E}">
-      <dsp:nvSpPr>
-        <dsp:cNvPr id="0" name=""/>
-        <dsp:cNvSpPr/>
-      </dsp:nvSpPr>
-      <dsp:spPr>
-        <a:xfrm>
-          <a:off x="3993515" y="338308"/>
-          <a:ext cx="609281" cy="609281"/>
-        </a:xfrm>
-        <a:prstGeom prst="arc">
-          <a:avLst>
-            <a:gd name="adj1" fmla="val 13200000"/>
-            <a:gd name="adj2" fmla="val 19200000"/>
-          </a:avLst>
-        </a:prstGeom>
-        <a:noFill/>
-        <a:ln w="19050" cap="rnd" cmpd="sng" algn="ctr">
-          <a:solidFill>
-            <a:schemeClr val="accent1">
-              <a:shade val="60000"/>
-              <a:hueOff val="0"/>
-              <a:satOff val="0"/>
-              <a:lumOff val="0"/>
-              <a:alphaOff val="0"/>
-            </a:schemeClr>
-          </a:solidFill>
-          <a:prstDash val="solid"/>
-        </a:ln>
-        <a:effectLst/>
-      </dsp:spPr>
-      <dsp:style>
-        <a:lnRef idx="2">
-          <a:scrgbClr r="0" g="0" b="0"/>
-        </a:lnRef>
-        <a:fillRef idx="0">
-          <a:scrgbClr r="0" g="0" b="0"/>
-        </a:fillRef>
-        <a:effectRef idx="0">
-          <a:scrgbClr r="0" g="0" b="0"/>
-        </a:effectRef>
-        <a:fontRef idx="minor"/>
-      </dsp:style>
-    </dsp:sp>
-    <dsp:sp modelId="{618C58A0-5D2F-4BCB-976D-6E579E45431B}">
-      <dsp:nvSpPr>
-        <dsp:cNvPr id="0" name=""/>
-        <dsp:cNvSpPr/>
-      </dsp:nvSpPr>
-      <dsp:spPr>
-        <a:xfrm>
-          <a:off x="3993515" y="338308"/>
-          <a:ext cx="609281" cy="609281"/>
-        </a:xfrm>
-        <a:prstGeom prst="arc">
-          <a:avLst>
-            <a:gd name="adj1" fmla="val 2400000"/>
-            <a:gd name="adj2" fmla="val 8400000"/>
-          </a:avLst>
-        </a:prstGeom>
-        <a:noFill/>
-        <a:ln w="19050" cap="rnd" cmpd="sng" algn="ctr">
-          <a:solidFill>
-            <a:schemeClr val="accent1">
-              <a:shade val="60000"/>
-              <a:hueOff val="0"/>
-              <a:satOff val="0"/>
-              <a:lumOff val="0"/>
-              <a:alphaOff val="0"/>
-            </a:schemeClr>
-          </a:solidFill>
-          <a:prstDash val="solid"/>
-        </a:ln>
-        <a:effectLst/>
-      </dsp:spPr>
-      <dsp:style>
-        <a:lnRef idx="2">
-          <a:scrgbClr r="0" g="0" b="0"/>
-        </a:lnRef>
-        <a:fillRef idx="0">
-          <a:scrgbClr r="0" g="0" b="0"/>
-        </a:fillRef>
-        <a:effectRef idx="0">
-          <a:scrgbClr r="0" g="0" b="0"/>
-        </a:effectRef>
-        <a:fontRef idx="minor"/>
-      </dsp:style>
-    </dsp:sp>
-    <dsp:sp modelId="{C232B334-0EA3-46BC-8781-7C57F7B59EE9}">
-      <dsp:nvSpPr>
-        <dsp:cNvPr id="0" name=""/>
-        <dsp:cNvSpPr/>
-      </dsp:nvSpPr>
-      <dsp:spPr>
-        <a:xfrm>
-          <a:off x="3688874" y="447978"/>
-          <a:ext cx="1218562" cy="389940"/>
-        </a:xfrm>
-        <a:prstGeom prst="rect">
-          <a:avLst/>
-        </a:prstGeom>
-        <a:noFill/>
-        <a:ln w="19050" cap="rnd" cmpd="sng" algn="ctr">
-          <a:noFill/>
-          <a:prstDash val="solid"/>
-        </a:ln>
-        <a:effectLst/>
-        <a:sp3d/>
-      </dsp:spPr>
-      <dsp:style>
-        <a:lnRef idx="2">
-          <a:scrgbClr r="0" g="0" b="0"/>
-        </a:lnRef>
-        <a:fillRef idx="1">
-          <a:scrgbClr r="0" g="0" b="0"/>
-        </a:fillRef>
-        <a:effectRef idx="0">
-          <a:scrgbClr r="0" g="0" b="0"/>
-        </a:effectRef>
-        <a:fontRef idx="minor"/>
-      </dsp:style>
-      <dsp:txBody>
-        <a:bodyPr spcFirstLastPara="0" vert="horz" wrap="square" lIns="8890" tIns="8890" rIns="8890" bIns="8890" numCol="1" spcCol="1270" anchor="ctr" anchorCtr="0">
-          <a:noAutofit/>
-        </a:bodyPr>
-        <a:lstStyle/>
-        <a:p>
-          <a:pPr lvl="0" algn="ctr" defTabSz="622300">
-            <a:lnSpc>
-              <a:spcPct val="90000"/>
-            </a:lnSpc>
-            <a:spcBef>
-              <a:spcPct val="0"/>
-            </a:spcBef>
-            <a:spcAft>
-              <a:spcPct val="35000"/>
-            </a:spcAft>
-          </a:pPr>
-          <a:r>
-            <a:rPr lang="fr-FR" sz="1400" kern="1200" dirty="0"/>
-            <a:t>Login</a:t>
-          </a:r>
-        </a:p>
-      </dsp:txBody>
-      <dsp:txXfrm>
-        <a:off x="3688874" y="447978"/>
-        <a:ext cx="1218562" cy="389940"/>
-      </dsp:txXfrm>
-    </dsp:sp>
-    <dsp:sp modelId="{1F08B455-C180-462B-A46A-9EAFC6E2AFB8}">
-      <dsp:nvSpPr>
-        <dsp:cNvPr id="0" name=""/>
-        <dsp:cNvSpPr/>
-      </dsp:nvSpPr>
-      <dsp:spPr>
-        <a:xfrm>
-          <a:off x="307362" y="1203487"/>
-          <a:ext cx="609281" cy="609281"/>
-        </a:xfrm>
-        <a:prstGeom prst="arc">
-          <a:avLst>
-            <a:gd name="adj1" fmla="val 13200000"/>
-            <a:gd name="adj2" fmla="val 19200000"/>
-          </a:avLst>
-        </a:prstGeom>
-        <a:noFill/>
-        <a:ln w="19050" cap="rnd" cmpd="sng" algn="ctr">
-          <a:solidFill>
-            <a:schemeClr val="accent1">
-              <a:shade val="60000"/>
-              <a:hueOff val="0"/>
-              <a:satOff val="0"/>
-              <a:lumOff val="0"/>
-              <a:alphaOff val="0"/>
-            </a:schemeClr>
-          </a:solidFill>
-          <a:prstDash val="solid"/>
-        </a:ln>
-        <a:effectLst/>
-      </dsp:spPr>
-      <dsp:style>
-        <a:lnRef idx="2">
-          <a:scrgbClr r="0" g="0" b="0"/>
-        </a:lnRef>
-        <a:fillRef idx="0">
-          <a:scrgbClr r="0" g="0" b="0"/>
-        </a:fillRef>
-        <a:effectRef idx="0">
-          <a:scrgbClr r="0" g="0" b="0"/>
-        </a:effectRef>
-        <a:fontRef idx="minor"/>
-      </dsp:style>
-    </dsp:sp>
-    <dsp:sp modelId="{6BD043FC-F21B-492C-891E-774334C935EA}">
-      <dsp:nvSpPr>
-        <dsp:cNvPr id="0" name=""/>
-        <dsp:cNvSpPr/>
-      </dsp:nvSpPr>
-      <dsp:spPr>
-        <a:xfrm>
-          <a:off x="307362" y="1203487"/>
-          <a:ext cx="609281" cy="609281"/>
-        </a:xfrm>
-        <a:prstGeom prst="arc">
-          <a:avLst>
-            <a:gd name="adj1" fmla="val 2400000"/>
-            <a:gd name="adj2" fmla="val 8400000"/>
-          </a:avLst>
-        </a:prstGeom>
-        <a:noFill/>
-        <a:ln w="19050" cap="rnd" cmpd="sng" algn="ctr">
-          <a:solidFill>
-            <a:schemeClr val="accent1">
-              <a:shade val="60000"/>
-              <a:hueOff val="0"/>
-              <a:satOff val="0"/>
-              <a:lumOff val="0"/>
-              <a:alphaOff val="0"/>
-            </a:schemeClr>
-          </a:solidFill>
-          <a:prstDash val="solid"/>
-        </a:ln>
-        <a:effectLst/>
-      </dsp:spPr>
-      <dsp:style>
-        <a:lnRef idx="2">
-          <a:scrgbClr r="0" g="0" b="0"/>
-        </a:lnRef>
-        <a:fillRef idx="0">
-          <a:scrgbClr r="0" g="0" b="0"/>
-        </a:fillRef>
-        <a:effectRef idx="0">
-          <a:scrgbClr r="0" g="0" b="0"/>
-        </a:effectRef>
-        <a:fontRef idx="minor"/>
-      </dsp:style>
-    </dsp:sp>
-    <dsp:sp modelId="{8B1A312E-C429-47FF-8E19-8796AC604748}">
-      <dsp:nvSpPr>
-        <dsp:cNvPr id="0" name=""/>
-        <dsp:cNvSpPr/>
-      </dsp:nvSpPr>
-      <dsp:spPr>
-        <a:xfrm>
-          <a:off x="2721" y="1313158"/>
-          <a:ext cx="1218562" cy="389940"/>
-        </a:xfrm>
-        <a:prstGeom prst="rect">
-          <a:avLst/>
-        </a:prstGeom>
-        <a:noFill/>
-        <a:ln w="19050" cap="rnd" cmpd="sng" algn="ctr">
-          <a:noFill/>
-          <a:prstDash val="solid"/>
-        </a:ln>
-        <a:effectLst/>
-        <a:sp3d/>
-      </dsp:spPr>
-      <dsp:style>
-        <a:lnRef idx="2">
-          <a:scrgbClr r="0" g="0" b="0"/>
-        </a:lnRef>
-        <a:fillRef idx="1">
-          <a:scrgbClr r="0" g="0" b="0"/>
-        </a:fillRef>
-        <a:effectRef idx="0">
-          <a:scrgbClr r="0" g="0" b="0"/>
-        </a:effectRef>
-        <a:fontRef idx="minor"/>
-      </dsp:style>
-      <dsp:txBody>
-        <a:bodyPr spcFirstLastPara="0" vert="horz" wrap="square" lIns="8890" tIns="8890" rIns="8890" bIns="8890" numCol="1" spcCol="1270" anchor="ctr" anchorCtr="0">
-          <a:noAutofit/>
-        </a:bodyPr>
-        <a:lstStyle/>
-        <a:p>
-          <a:pPr lvl="0" algn="ctr" defTabSz="622300">
-            <a:lnSpc>
-              <a:spcPct val="90000"/>
-            </a:lnSpc>
-            <a:spcBef>
-              <a:spcPct val="0"/>
-            </a:spcBef>
-            <a:spcAft>
-              <a:spcPct val="35000"/>
-            </a:spcAft>
-          </a:pPr>
-          <a:r>
-            <a:rPr lang="fr-FR" sz="1400" kern="1200" dirty="0"/>
-            <a:t>Accueil</a:t>
-          </a:r>
-        </a:p>
-      </dsp:txBody>
-      <dsp:txXfrm>
-        <a:off x="2721" y="1313158"/>
-        <a:ext cx="1218562" cy="389940"/>
-      </dsp:txXfrm>
-    </dsp:sp>
-    <dsp:sp modelId="{767FBC2B-65A1-4550-A3E4-B08687F3A6AE}">
-      <dsp:nvSpPr>
-        <dsp:cNvPr id="0" name=""/>
-        <dsp:cNvSpPr/>
-      </dsp:nvSpPr>
-      <dsp:spPr>
-        <a:xfrm>
-          <a:off x="1781823" y="1203487"/>
-          <a:ext cx="609281" cy="609281"/>
-        </a:xfrm>
-        <a:prstGeom prst="arc">
-          <a:avLst>
-            <a:gd name="adj1" fmla="val 13200000"/>
-            <a:gd name="adj2" fmla="val 19200000"/>
-          </a:avLst>
-        </a:prstGeom>
-        <a:noFill/>
-        <a:ln w="19050" cap="rnd" cmpd="sng" algn="ctr">
-          <a:solidFill>
-            <a:schemeClr val="accent1">
-              <a:shade val="60000"/>
-              <a:hueOff val="0"/>
-              <a:satOff val="0"/>
-              <a:lumOff val="0"/>
-              <a:alphaOff val="0"/>
-            </a:schemeClr>
-          </a:solidFill>
-          <a:prstDash val="solid"/>
-        </a:ln>
-        <a:effectLst/>
-      </dsp:spPr>
-      <dsp:style>
-        <a:lnRef idx="2">
-          <a:scrgbClr r="0" g="0" b="0"/>
-        </a:lnRef>
-        <a:fillRef idx="0">
-          <a:scrgbClr r="0" g="0" b="0"/>
-        </a:fillRef>
-        <a:effectRef idx="0">
-          <a:scrgbClr r="0" g="0" b="0"/>
-        </a:effectRef>
-        <a:fontRef idx="minor"/>
-      </dsp:style>
-    </dsp:sp>
-    <dsp:sp modelId="{05E4FA97-D08E-4C08-9299-A59C91F04FB6}">
-      <dsp:nvSpPr>
-        <dsp:cNvPr id="0" name=""/>
-        <dsp:cNvSpPr/>
-      </dsp:nvSpPr>
-      <dsp:spPr>
-        <a:xfrm>
-          <a:off x="1781823" y="1203487"/>
-          <a:ext cx="609281" cy="609281"/>
-        </a:xfrm>
-        <a:prstGeom prst="arc">
-          <a:avLst>
-            <a:gd name="adj1" fmla="val 2400000"/>
-            <a:gd name="adj2" fmla="val 8400000"/>
-          </a:avLst>
-        </a:prstGeom>
-        <a:noFill/>
-        <a:ln w="19050" cap="rnd" cmpd="sng" algn="ctr">
-          <a:solidFill>
-            <a:schemeClr val="accent1">
-              <a:shade val="60000"/>
-              <a:hueOff val="0"/>
-              <a:satOff val="0"/>
-              <a:lumOff val="0"/>
-              <a:alphaOff val="0"/>
-            </a:schemeClr>
-          </a:solidFill>
-          <a:prstDash val="solid"/>
-        </a:ln>
-        <a:effectLst/>
-      </dsp:spPr>
-      <dsp:style>
-        <a:lnRef idx="2">
-          <a:scrgbClr r="0" g="0" b="0"/>
-        </a:lnRef>
-        <a:fillRef idx="0">
-          <a:scrgbClr r="0" g="0" b="0"/>
-        </a:fillRef>
-        <a:effectRef idx="0">
-          <a:scrgbClr r="0" g="0" b="0"/>
-        </a:effectRef>
-        <a:fontRef idx="minor"/>
-      </dsp:style>
-    </dsp:sp>
-    <dsp:sp modelId="{9BE6B5B8-147B-4B80-955C-1687F42ADD5D}">
-      <dsp:nvSpPr>
-        <dsp:cNvPr id="0" name=""/>
-        <dsp:cNvSpPr/>
-      </dsp:nvSpPr>
-      <dsp:spPr>
-        <a:xfrm>
-          <a:off x="1477182" y="1313158"/>
-          <a:ext cx="1218562" cy="389940"/>
-        </a:xfrm>
-        <a:prstGeom prst="rect">
-          <a:avLst/>
-        </a:prstGeom>
-        <a:noFill/>
-        <a:ln w="19050" cap="rnd" cmpd="sng" algn="ctr">
-          <a:noFill/>
-          <a:prstDash val="solid"/>
-        </a:ln>
-        <a:effectLst/>
-        <a:sp3d/>
-      </dsp:spPr>
-      <dsp:style>
-        <a:lnRef idx="2">
-          <a:scrgbClr r="0" g="0" b="0"/>
-        </a:lnRef>
-        <a:fillRef idx="1">
-          <a:scrgbClr r="0" g="0" b="0"/>
-        </a:fillRef>
-        <a:effectRef idx="0">
-          <a:scrgbClr r="0" g="0" b="0"/>
-        </a:effectRef>
-        <a:fontRef idx="minor"/>
-      </dsp:style>
-      <dsp:txBody>
-        <a:bodyPr spcFirstLastPara="0" vert="horz" wrap="square" lIns="8890" tIns="8890" rIns="8890" bIns="8890" numCol="1" spcCol="1270" anchor="ctr" anchorCtr="0">
-          <a:noAutofit/>
-        </a:bodyPr>
-        <a:lstStyle/>
-        <a:p>
-          <a:pPr lvl="0" algn="ctr" defTabSz="622300">
-            <a:lnSpc>
-              <a:spcPct val="90000"/>
-            </a:lnSpc>
-            <a:spcBef>
-              <a:spcPct val="0"/>
-            </a:spcBef>
-            <a:spcAft>
-              <a:spcPct val="35000"/>
-            </a:spcAft>
-          </a:pPr>
-          <a:r>
-            <a:rPr lang="fr-FR" sz="1400" kern="1200" dirty="0"/>
-            <a:t>Catalogue</a:t>
-          </a:r>
-        </a:p>
-      </dsp:txBody>
-      <dsp:txXfrm>
-        <a:off x="1477182" y="1313158"/>
-        <a:ext cx="1218562" cy="389940"/>
-      </dsp:txXfrm>
-    </dsp:sp>
-    <dsp:sp modelId="{B1A00FBC-84AA-49C5-A66C-171045A5B609}">
-      <dsp:nvSpPr>
-        <dsp:cNvPr id="0" name=""/>
-        <dsp:cNvSpPr/>
-      </dsp:nvSpPr>
-      <dsp:spPr>
-        <a:xfrm>
-          <a:off x="3256284" y="1203487"/>
-          <a:ext cx="609281" cy="609281"/>
-        </a:xfrm>
-        <a:prstGeom prst="arc">
-          <a:avLst>
-            <a:gd name="adj1" fmla="val 13200000"/>
-            <a:gd name="adj2" fmla="val 19200000"/>
-          </a:avLst>
-        </a:prstGeom>
-        <a:noFill/>
-        <a:ln w="19050" cap="rnd" cmpd="sng" algn="ctr">
-          <a:solidFill>
-            <a:schemeClr val="accent1">
-              <a:shade val="60000"/>
-              <a:hueOff val="0"/>
-              <a:satOff val="0"/>
-              <a:lumOff val="0"/>
-              <a:alphaOff val="0"/>
-            </a:schemeClr>
-          </a:solidFill>
-          <a:prstDash val="solid"/>
-        </a:ln>
-        <a:effectLst/>
-      </dsp:spPr>
-      <dsp:style>
-        <a:lnRef idx="2">
-          <a:scrgbClr r="0" g="0" b="0"/>
-        </a:lnRef>
-        <a:fillRef idx="0">
-          <a:scrgbClr r="0" g="0" b="0"/>
-        </a:fillRef>
-        <a:effectRef idx="0">
-          <a:scrgbClr r="0" g="0" b="0"/>
-        </a:effectRef>
-        <a:fontRef idx="minor"/>
-      </dsp:style>
-    </dsp:sp>
-    <dsp:sp modelId="{6D1BB627-626F-4CD2-A75D-B899AB0C58D4}">
-      <dsp:nvSpPr>
-        <dsp:cNvPr id="0" name=""/>
-        <dsp:cNvSpPr/>
-      </dsp:nvSpPr>
-      <dsp:spPr>
-        <a:xfrm>
-          <a:off x="3256284" y="1203487"/>
-          <a:ext cx="609281" cy="609281"/>
-        </a:xfrm>
-        <a:prstGeom prst="arc">
-          <a:avLst>
-            <a:gd name="adj1" fmla="val 2400000"/>
-            <a:gd name="adj2" fmla="val 8400000"/>
-          </a:avLst>
-        </a:prstGeom>
-        <a:noFill/>
-        <a:ln w="19050" cap="rnd" cmpd="sng" algn="ctr">
-          <a:solidFill>
-            <a:schemeClr val="accent1">
-              <a:shade val="60000"/>
-              <a:hueOff val="0"/>
-              <a:satOff val="0"/>
-              <a:lumOff val="0"/>
-              <a:alphaOff val="0"/>
-            </a:schemeClr>
-          </a:solidFill>
-          <a:prstDash val="solid"/>
-        </a:ln>
-        <a:effectLst/>
-      </dsp:spPr>
-      <dsp:style>
-        <a:lnRef idx="2">
-          <a:scrgbClr r="0" g="0" b="0"/>
-        </a:lnRef>
-        <a:fillRef idx="0">
-          <a:scrgbClr r="0" g="0" b="0"/>
-        </a:fillRef>
-        <a:effectRef idx="0">
-          <a:scrgbClr r="0" g="0" b="0"/>
-        </a:effectRef>
-        <a:fontRef idx="minor"/>
-      </dsp:style>
-    </dsp:sp>
-    <dsp:sp modelId="{BBAC3DC7-0E50-42A9-A93C-2C1BA5E52B03}">
-      <dsp:nvSpPr>
-        <dsp:cNvPr id="0" name=""/>
-        <dsp:cNvSpPr/>
-      </dsp:nvSpPr>
-      <dsp:spPr>
-        <a:xfrm>
-          <a:off x="2951643" y="1313158"/>
-          <a:ext cx="1218562" cy="389940"/>
-        </a:xfrm>
-        <a:prstGeom prst="rect">
-          <a:avLst/>
-        </a:prstGeom>
-        <a:noFill/>
-        <a:ln w="19050" cap="rnd" cmpd="sng" algn="ctr">
-          <a:noFill/>
-          <a:prstDash val="solid"/>
-        </a:ln>
-        <a:effectLst/>
-        <a:sp3d/>
-      </dsp:spPr>
-      <dsp:style>
-        <a:lnRef idx="2">
-          <a:scrgbClr r="0" g="0" b="0"/>
-        </a:lnRef>
-        <a:fillRef idx="1">
-          <a:scrgbClr r="0" g="0" b="0"/>
-        </a:fillRef>
-        <a:effectRef idx="0">
-          <a:scrgbClr r="0" g="0" b="0"/>
-        </a:effectRef>
-        <a:fontRef idx="minor"/>
-      </dsp:style>
-      <dsp:txBody>
-        <a:bodyPr spcFirstLastPara="0" vert="horz" wrap="square" lIns="8890" tIns="8890" rIns="8890" bIns="8890" numCol="1" spcCol="1270" anchor="ctr" anchorCtr="0">
-          <a:noAutofit/>
-        </a:bodyPr>
-        <a:lstStyle/>
-        <a:p>
-          <a:pPr lvl="0" algn="ctr" defTabSz="622300">
-            <a:lnSpc>
-              <a:spcPct val="90000"/>
-            </a:lnSpc>
-            <a:spcBef>
-              <a:spcPct val="0"/>
-            </a:spcBef>
-            <a:spcAft>
-              <a:spcPct val="35000"/>
-            </a:spcAft>
-          </a:pPr>
-          <a:r>
-            <a:rPr lang="fr-FR" sz="1400" kern="1200" dirty="0"/>
-            <a:t>Catégorie</a:t>
-          </a:r>
-        </a:p>
-      </dsp:txBody>
-      <dsp:txXfrm>
-        <a:off x="2951643" y="1313158"/>
-        <a:ext cx="1218562" cy="389940"/>
-      </dsp:txXfrm>
-    </dsp:sp>
-    <dsp:sp modelId="{5E3BDEFF-0758-4FED-9367-84EA8096E9E2}">
-      <dsp:nvSpPr>
-        <dsp:cNvPr id="0" name=""/>
-        <dsp:cNvSpPr/>
-      </dsp:nvSpPr>
-      <dsp:spPr>
-        <a:xfrm>
-          <a:off x="3256284" y="2068667"/>
-          <a:ext cx="609281" cy="609281"/>
-        </a:xfrm>
-        <a:prstGeom prst="arc">
-          <a:avLst>
-            <a:gd name="adj1" fmla="val 13200000"/>
-            <a:gd name="adj2" fmla="val 19200000"/>
-          </a:avLst>
-        </a:prstGeom>
-        <a:noFill/>
-        <a:ln w="19050" cap="rnd" cmpd="sng" algn="ctr">
-          <a:solidFill>
-            <a:schemeClr val="accent1">
-              <a:shade val="60000"/>
-              <a:hueOff val="0"/>
-              <a:satOff val="0"/>
-              <a:lumOff val="0"/>
-              <a:alphaOff val="0"/>
-            </a:schemeClr>
-          </a:solidFill>
-          <a:prstDash val="solid"/>
-        </a:ln>
-        <a:effectLst/>
-      </dsp:spPr>
-      <dsp:style>
-        <a:lnRef idx="2">
-          <a:scrgbClr r="0" g="0" b="0"/>
-        </a:lnRef>
-        <a:fillRef idx="0">
-          <a:scrgbClr r="0" g="0" b="0"/>
-        </a:fillRef>
-        <a:effectRef idx="0">
-          <a:scrgbClr r="0" g="0" b="0"/>
-        </a:effectRef>
-        <a:fontRef idx="minor"/>
-      </dsp:style>
-    </dsp:sp>
-    <dsp:sp modelId="{092B9316-C1B6-4D41-82AF-CBC1DF1C51F2}">
-      <dsp:nvSpPr>
-        <dsp:cNvPr id="0" name=""/>
-        <dsp:cNvSpPr/>
-      </dsp:nvSpPr>
-      <dsp:spPr>
-        <a:xfrm>
-          <a:off x="3256284" y="2068667"/>
-          <a:ext cx="609281" cy="609281"/>
-        </a:xfrm>
-        <a:prstGeom prst="arc">
-          <a:avLst>
-            <a:gd name="adj1" fmla="val 2400000"/>
-            <a:gd name="adj2" fmla="val 8400000"/>
-          </a:avLst>
-        </a:prstGeom>
-        <a:noFill/>
-        <a:ln w="19050" cap="rnd" cmpd="sng" algn="ctr">
-          <a:solidFill>
-            <a:schemeClr val="accent1">
-              <a:shade val="60000"/>
-              <a:hueOff val="0"/>
-              <a:satOff val="0"/>
-              <a:lumOff val="0"/>
-              <a:alphaOff val="0"/>
-            </a:schemeClr>
-          </a:solidFill>
-          <a:prstDash val="solid"/>
-        </a:ln>
-        <a:effectLst/>
-      </dsp:spPr>
-      <dsp:style>
-        <a:lnRef idx="2">
-          <a:scrgbClr r="0" g="0" b="0"/>
-        </a:lnRef>
-        <a:fillRef idx="0">
-          <a:scrgbClr r="0" g="0" b="0"/>
-        </a:fillRef>
-        <a:effectRef idx="0">
-          <a:scrgbClr r="0" g="0" b="0"/>
-        </a:effectRef>
-        <a:fontRef idx="minor"/>
-      </dsp:style>
-    </dsp:sp>
-    <dsp:sp modelId="{ED32C40A-E820-4897-A5A7-7EABA11DA595}">
-      <dsp:nvSpPr>
-        <dsp:cNvPr id="0" name=""/>
-        <dsp:cNvSpPr/>
-      </dsp:nvSpPr>
-      <dsp:spPr>
-        <a:xfrm>
-          <a:off x="2951643" y="2178338"/>
-          <a:ext cx="1218562" cy="389940"/>
-        </a:xfrm>
-        <a:prstGeom prst="rect">
-          <a:avLst/>
-        </a:prstGeom>
-        <a:noFill/>
-        <a:ln w="19050" cap="rnd" cmpd="sng" algn="ctr">
-          <a:noFill/>
-          <a:prstDash val="solid"/>
-        </a:ln>
-        <a:effectLst/>
-        <a:sp3d/>
-      </dsp:spPr>
-      <dsp:style>
-        <a:lnRef idx="2">
-          <a:scrgbClr r="0" g="0" b="0"/>
-        </a:lnRef>
-        <a:fillRef idx="1">
-          <a:scrgbClr r="0" g="0" b="0"/>
-        </a:fillRef>
-        <a:effectRef idx="0">
-          <a:scrgbClr r="0" g="0" b="0"/>
-        </a:effectRef>
-        <a:fontRef idx="minor"/>
-      </dsp:style>
-      <dsp:txBody>
-        <a:bodyPr spcFirstLastPara="0" vert="horz" wrap="square" lIns="8890" tIns="8890" rIns="8890" bIns="8890" numCol="1" spcCol="1270" anchor="ctr" anchorCtr="0">
-          <a:noAutofit/>
-        </a:bodyPr>
-        <a:lstStyle/>
-        <a:p>
-          <a:pPr lvl="0" algn="ctr" defTabSz="622300">
-            <a:lnSpc>
-              <a:spcPct val="90000"/>
-            </a:lnSpc>
-            <a:spcBef>
-              <a:spcPct val="0"/>
-            </a:spcBef>
-            <a:spcAft>
-              <a:spcPct val="35000"/>
-            </a:spcAft>
-          </a:pPr>
-          <a:r>
-            <a:rPr lang="fr-FR" sz="1400" kern="1200" dirty="0"/>
-            <a:t>Produits</a:t>
-          </a:r>
-        </a:p>
-      </dsp:txBody>
-      <dsp:txXfrm>
-        <a:off x="2951643" y="2178338"/>
-        <a:ext cx="1218562" cy="389940"/>
-      </dsp:txXfrm>
-    </dsp:sp>
-    <dsp:sp modelId="{419B10C9-0BFB-4421-AA6C-B7B6727AF65E}">
-      <dsp:nvSpPr>
-        <dsp:cNvPr id="0" name=""/>
-        <dsp:cNvSpPr/>
-      </dsp:nvSpPr>
-      <dsp:spPr>
-        <a:xfrm>
-          <a:off x="4048350" y="2933847"/>
-          <a:ext cx="609281" cy="609281"/>
-        </a:xfrm>
-        <a:prstGeom prst="arc">
-          <a:avLst>
-            <a:gd name="adj1" fmla="val 13200000"/>
-            <a:gd name="adj2" fmla="val 19200000"/>
-          </a:avLst>
-        </a:prstGeom>
-        <a:noFill/>
-        <a:ln w="19050" cap="rnd" cmpd="sng" algn="ctr">
-          <a:solidFill>
-            <a:schemeClr val="accent1">
-              <a:shade val="60000"/>
-              <a:hueOff val="0"/>
-              <a:satOff val="0"/>
-              <a:lumOff val="0"/>
-              <a:alphaOff val="0"/>
-            </a:schemeClr>
-          </a:solidFill>
-          <a:prstDash val="solid"/>
-        </a:ln>
-        <a:effectLst/>
-      </dsp:spPr>
-      <dsp:style>
-        <a:lnRef idx="2">
-          <a:scrgbClr r="0" g="0" b="0"/>
-        </a:lnRef>
-        <a:fillRef idx="0">
-          <a:scrgbClr r="0" g="0" b="0"/>
-        </a:fillRef>
-        <a:effectRef idx="0">
-          <a:scrgbClr r="0" g="0" b="0"/>
-        </a:effectRef>
-        <a:fontRef idx="minor"/>
-      </dsp:style>
-    </dsp:sp>
-    <dsp:sp modelId="{86BB0363-E32A-4EB3-BE06-377A8AE260F1}">
-      <dsp:nvSpPr>
-        <dsp:cNvPr id="0" name=""/>
-        <dsp:cNvSpPr/>
-      </dsp:nvSpPr>
-      <dsp:spPr>
-        <a:xfrm>
-          <a:off x="4048350" y="2933847"/>
-          <a:ext cx="609281" cy="609281"/>
-        </a:xfrm>
-        <a:prstGeom prst="arc">
-          <a:avLst>
-            <a:gd name="adj1" fmla="val 2400000"/>
-            <a:gd name="adj2" fmla="val 8400000"/>
-          </a:avLst>
-        </a:prstGeom>
-        <a:noFill/>
-        <a:ln w="19050" cap="rnd" cmpd="sng" algn="ctr">
-          <a:solidFill>
-            <a:schemeClr val="accent1">
-              <a:shade val="60000"/>
-              <a:hueOff val="0"/>
-              <a:satOff val="0"/>
-              <a:lumOff val="0"/>
-              <a:alphaOff val="0"/>
-            </a:schemeClr>
-          </a:solidFill>
-          <a:prstDash val="solid"/>
-        </a:ln>
-        <a:effectLst/>
-      </dsp:spPr>
-      <dsp:style>
-        <a:lnRef idx="2">
-          <a:scrgbClr r="0" g="0" b="0"/>
-        </a:lnRef>
-        <a:fillRef idx="0">
-          <a:scrgbClr r="0" g="0" b="0"/>
-        </a:fillRef>
-        <a:effectRef idx="0">
-          <a:scrgbClr r="0" g="0" b="0"/>
-        </a:effectRef>
-        <a:fontRef idx="minor"/>
-      </dsp:style>
-    </dsp:sp>
-    <dsp:sp modelId="{8D6E1056-B875-4CA3-B4FE-18EC89D54864}">
-      <dsp:nvSpPr>
-        <dsp:cNvPr id="0" name=""/>
-        <dsp:cNvSpPr/>
-      </dsp:nvSpPr>
-      <dsp:spPr>
-        <a:xfrm>
-          <a:off x="3743709" y="3043517"/>
-          <a:ext cx="1218562" cy="389940"/>
-        </a:xfrm>
-        <a:prstGeom prst="rect">
-          <a:avLst/>
-        </a:prstGeom>
-        <a:noFill/>
-        <a:ln w="19050" cap="rnd" cmpd="sng" algn="ctr">
-          <a:noFill/>
-          <a:prstDash val="solid"/>
-        </a:ln>
-        <a:effectLst/>
-        <a:sp3d/>
-      </dsp:spPr>
-      <dsp:style>
-        <a:lnRef idx="2">
-          <a:scrgbClr r="0" g="0" b="0"/>
-        </a:lnRef>
-        <a:fillRef idx="1">
-          <a:scrgbClr r="0" g="0" b="0"/>
-        </a:fillRef>
-        <a:effectRef idx="0">
-          <a:scrgbClr r="0" g="0" b="0"/>
-        </a:effectRef>
-        <a:fontRef idx="minor"/>
-      </dsp:style>
-      <dsp:txBody>
-        <a:bodyPr spcFirstLastPara="0" vert="horz" wrap="square" lIns="8890" tIns="8890" rIns="8890" bIns="8890" numCol="1" spcCol="1270" anchor="ctr" anchorCtr="0">
-          <a:noAutofit/>
-        </a:bodyPr>
-        <a:lstStyle/>
-        <a:p>
-          <a:pPr lvl="0" algn="ctr" defTabSz="622300">
-            <a:lnSpc>
-              <a:spcPct val="90000"/>
-            </a:lnSpc>
-            <a:spcBef>
-              <a:spcPct val="0"/>
-            </a:spcBef>
-            <a:spcAft>
-              <a:spcPct val="35000"/>
-            </a:spcAft>
-          </a:pPr>
-          <a:r>
-            <a:rPr lang="fr-FR" sz="1400" kern="1200" dirty="0"/>
-            <a:t>Fiches Produits</a:t>
-          </a:r>
-        </a:p>
-      </dsp:txBody>
-      <dsp:txXfrm>
-        <a:off x="3743709" y="3043517"/>
-        <a:ext cx="1218562" cy="389940"/>
-      </dsp:txXfrm>
-    </dsp:sp>
-    <dsp:sp modelId="{16EC8938-B5D1-4553-A62B-E1855AD45BDC}">
-      <dsp:nvSpPr>
-        <dsp:cNvPr id="0" name=""/>
-        <dsp:cNvSpPr/>
-      </dsp:nvSpPr>
-      <dsp:spPr>
-        <a:xfrm>
-          <a:off x="4730745" y="1203487"/>
-          <a:ext cx="609281" cy="609281"/>
-        </a:xfrm>
-        <a:prstGeom prst="arc">
-          <a:avLst>
-            <a:gd name="adj1" fmla="val 13200000"/>
-            <a:gd name="adj2" fmla="val 19200000"/>
-          </a:avLst>
-        </a:prstGeom>
-        <a:noFill/>
-        <a:ln w="19050" cap="rnd" cmpd="sng" algn="ctr">
-          <a:solidFill>
-            <a:schemeClr val="accent1">
-              <a:shade val="60000"/>
-              <a:hueOff val="0"/>
-              <a:satOff val="0"/>
-              <a:lumOff val="0"/>
-              <a:alphaOff val="0"/>
-            </a:schemeClr>
-          </a:solidFill>
-          <a:prstDash val="solid"/>
-        </a:ln>
-        <a:effectLst/>
-      </dsp:spPr>
-      <dsp:style>
-        <a:lnRef idx="2">
-          <a:scrgbClr r="0" g="0" b="0"/>
-        </a:lnRef>
-        <a:fillRef idx="0">
-          <a:scrgbClr r="0" g="0" b="0"/>
-        </a:fillRef>
-        <a:effectRef idx="0">
-          <a:scrgbClr r="0" g="0" b="0"/>
-        </a:effectRef>
-        <a:fontRef idx="minor"/>
-      </dsp:style>
-    </dsp:sp>
-    <dsp:sp modelId="{4C3B14E3-BE95-4060-B464-980E390036AC}">
-      <dsp:nvSpPr>
-        <dsp:cNvPr id="0" name=""/>
-        <dsp:cNvSpPr/>
-      </dsp:nvSpPr>
-      <dsp:spPr>
-        <a:xfrm>
-          <a:off x="4730745" y="1203487"/>
-          <a:ext cx="609281" cy="609281"/>
-        </a:xfrm>
-        <a:prstGeom prst="arc">
-          <a:avLst>
-            <a:gd name="adj1" fmla="val 2400000"/>
-            <a:gd name="adj2" fmla="val 8400000"/>
-          </a:avLst>
-        </a:prstGeom>
-        <a:noFill/>
-        <a:ln w="19050" cap="rnd" cmpd="sng" algn="ctr">
-          <a:solidFill>
-            <a:schemeClr val="accent1">
-              <a:shade val="60000"/>
-              <a:hueOff val="0"/>
-              <a:satOff val="0"/>
-              <a:lumOff val="0"/>
-              <a:alphaOff val="0"/>
-            </a:schemeClr>
-          </a:solidFill>
-          <a:prstDash val="solid"/>
-        </a:ln>
-        <a:effectLst/>
-      </dsp:spPr>
-      <dsp:style>
-        <a:lnRef idx="2">
-          <a:scrgbClr r="0" g="0" b="0"/>
-        </a:lnRef>
-        <a:fillRef idx="0">
-          <a:scrgbClr r="0" g="0" b="0"/>
-        </a:fillRef>
-        <a:effectRef idx="0">
-          <a:scrgbClr r="0" g="0" b="0"/>
-        </a:effectRef>
-        <a:fontRef idx="minor"/>
-      </dsp:style>
-    </dsp:sp>
-    <dsp:sp modelId="{49DA03FC-2E96-4E2E-A637-B3E14BB19E0B}">
-      <dsp:nvSpPr>
-        <dsp:cNvPr id="0" name=""/>
-        <dsp:cNvSpPr/>
-      </dsp:nvSpPr>
-      <dsp:spPr>
-        <a:xfrm>
-          <a:off x="4426105" y="1313158"/>
-          <a:ext cx="1218562" cy="389940"/>
-        </a:xfrm>
-        <a:prstGeom prst="rect">
-          <a:avLst/>
-        </a:prstGeom>
-        <a:noFill/>
-        <a:ln w="19050" cap="rnd" cmpd="sng" algn="ctr">
-          <a:noFill/>
-          <a:prstDash val="solid"/>
-        </a:ln>
-        <a:effectLst/>
-        <a:sp3d/>
-      </dsp:spPr>
-      <dsp:style>
-        <a:lnRef idx="2">
-          <a:scrgbClr r="0" g="0" b="0"/>
-        </a:lnRef>
-        <a:fillRef idx="1">
-          <a:scrgbClr r="0" g="0" b="0"/>
-        </a:fillRef>
-        <a:effectRef idx="0">
-          <a:scrgbClr r="0" g="0" b="0"/>
-        </a:effectRef>
-        <a:fontRef idx="minor"/>
-      </dsp:style>
-      <dsp:txBody>
-        <a:bodyPr spcFirstLastPara="0" vert="horz" wrap="square" lIns="8890" tIns="8890" rIns="8890" bIns="8890" numCol="1" spcCol="1270" anchor="ctr" anchorCtr="0">
-          <a:noAutofit/>
-        </a:bodyPr>
-        <a:lstStyle/>
-        <a:p>
-          <a:pPr lvl="0" algn="ctr" defTabSz="622300">
-            <a:lnSpc>
-              <a:spcPct val="90000"/>
-            </a:lnSpc>
-            <a:spcBef>
-              <a:spcPct val="0"/>
-            </a:spcBef>
-            <a:spcAft>
-              <a:spcPct val="35000"/>
-            </a:spcAft>
-          </a:pPr>
-          <a:r>
-            <a:rPr lang="fr-FR" sz="1400" kern="1200" dirty="0"/>
-            <a:t>Mon Compte</a:t>
-          </a:r>
-        </a:p>
-      </dsp:txBody>
-      <dsp:txXfrm>
-        <a:off x="4426105" y="1313158"/>
-        <a:ext cx="1218562" cy="389940"/>
-      </dsp:txXfrm>
-    </dsp:sp>
-    <dsp:sp modelId="{CF01B877-AEE9-4EF2-AE04-CA21948105C8}">
-      <dsp:nvSpPr>
-        <dsp:cNvPr id="0" name=""/>
-        <dsp:cNvSpPr/>
-      </dsp:nvSpPr>
-      <dsp:spPr>
-        <a:xfrm>
-          <a:off x="5522811" y="2068667"/>
-          <a:ext cx="609281" cy="609281"/>
-        </a:xfrm>
-        <a:prstGeom prst="arc">
-          <a:avLst>
-            <a:gd name="adj1" fmla="val 13200000"/>
-            <a:gd name="adj2" fmla="val 19200000"/>
-          </a:avLst>
-        </a:prstGeom>
-        <a:noFill/>
-        <a:ln w="19050" cap="rnd" cmpd="sng" algn="ctr">
-          <a:solidFill>
-            <a:schemeClr val="accent1">
-              <a:shade val="60000"/>
-              <a:hueOff val="0"/>
-              <a:satOff val="0"/>
-              <a:lumOff val="0"/>
-              <a:alphaOff val="0"/>
-            </a:schemeClr>
-          </a:solidFill>
-          <a:prstDash val="solid"/>
-        </a:ln>
-        <a:effectLst/>
-      </dsp:spPr>
-      <dsp:style>
-        <a:lnRef idx="2">
-          <a:scrgbClr r="0" g="0" b="0"/>
-        </a:lnRef>
-        <a:fillRef idx="0">
-          <a:scrgbClr r="0" g="0" b="0"/>
-        </a:fillRef>
-        <a:effectRef idx="0">
-          <a:scrgbClr r="0" g="0" b="0"/>
-        </a:effectRef>
-        <a:fontRef idx="minor"/>
-      </dsp:style>
-    </dsp:sp>
-    <dsp:sp modelId="{5C347010-2C21-4538-A03D-E33C9C427FFE}">
-      <dsp:nvSpPr>
-        <dsp:cNvPr id="0" name=""/>
-        <dsp:cNvSpPr/>
-      </dsp:nvSpPr>
-      <dsp:spPr>
-        <a:xfrm>
-          <a:off x="5522811" y="2068667"/>
-          <a:ext cx="609281" cy="609281"/>
-        </a:xfrm>
-        <a:prstGeom prst="arc">
-          <a:avLst>
-            <a:gd name="adj1" fmla="val 2400000"/>
-            <a:gd name="adj2" fmla="val 8400000"/>
-          </a:avLst>
-        </a:prstGeom>
-        <a:noFill/>
-        <a:ln w="19050" cap="rnd" cmpd="sng" algn="ctr">
-          <a:solidFill>
-            <a:schemeClr val="accent1">
-              <a:shade val="60000"/>
-              <a:hueOff val="0"/>
-              <a:satOff val="0"/>
-              <a:lumOff val="0"/>
-              <a:alphaOff val="0"/>
-            </a:schemeClr>
-          </a:solidFill>
-          <a:prstDash val="solid"/>
-        </a:ln>
-        <a:effectLst/>
-      </dsp:spPr>
-      <dsp:style>
-        <a:lnRef idx="2">
-          <a:scrgbClr r="0" g="0" b="0"/>
-        </a:lnRef>
-        <a:fillRef idx="0">
-          <a:scrgbClr r="0" g="0" b="0"/>
-        </a:fillRef>
-        <a:effectRef idx="0">
-          <a:scrgbClr r="0" g="0" b="0"/>
-        </a:effectRef>
-        <a:fontRef idx="minor"/>
-      </dsp:style>
-    </dsp:sp>
-    <dsp:sp modelId="{A269EB07-D24C-42AA-83C2-BAE715E3BFD9}">
-      <dsp:nvSpPr>
-        <dsp:cNvPr id="0" name=""/>
-        <dsp:cNvSpPr/>
-      </dsp:nvSpPr>
-      <dsp:spPr>
-        <a:xfrm>
-          <a:off x="5218170" y="2178338"/>
-          <a:ext cx="1218562" cy="389940"/>
-        </a:xfrm>
-        <a:prstGeom prst="rect">
-          <a:avLst/>
-        </a:prstGeom>
-        <a:noFill/>
-        <a:ln w="19050" cap="rnd" cmpd="sng" algn="ctr">
-          <a:noFill/>
-          <a:prstDash val="solid"/>
-        </a:ln>
-        <a:effectLst/>
-        <a:sp3d/>
-      </dsp:spPr>
-      <dsp:style>
-        <a:lnRef idx="2">
-          <a:scrgbClr r="0" g="0" b="0"/>
-        </a:lnRef>
-        <a:fillRef idx="1">
-          <a:scrgbClr r="0" g="0" b="0"/>
-        </a:fillRef>
-        <a:effectRef idx="0">
-          <a:scrgbClr r="0" g="0" b="0"/>
-        </a:effectRef>
-        <a:fontRef idx="minor"/>
-      </dsp:style>
-      <dsp:txBody>
-        <a:bodyPr spcFirstLastPara="0" vert="horz" wrap="square" lIns="8890" tIns="8890" rIns="8890" bIns="8890" numCol="1" spcCol="1270" anchor="ctr" anchorCtr="0">
-          <a:noAutofit/>
-        </a:bodyPr>
-        <a:lstStyle/>
-        <a:p>
-          <a:pPr lvl="0" algn="ctr" defTabSz="622300">
-            <a:lnSpc>
-              <a:spcPct val="90000"/>
-            </a:lnSpc>
-            <a:spcBef>
-              <a:spcPct val="0"/>
-            </a:spcBef>
-            <a:spcAft>
-              <a:spcPct val="35000"/>
-            </a:spcAft>
-          </a:pPr>
-          <a:r>
-            <a:rPr lang="fr-FR" sz="1400" kern="1200" dirty="0"/>
-            <a:t>Mes Infos</a:t>
-          </a:r>
-        </a:p>
-      </dsp:txBody>
-      <dsp:txXfrm>
-        <a:off x="5218170" y="2178338"/>
-        <a:ext cx="1218562" cy="389940"/>
-      </dsp:txXfrm>
-    </dsp:sp>
-    <dsp:sp modelId="{065C1F02-0E9B-4F30-B20A-04C117434889}">
-      <dsp:nvSpPr>
-        <dsp:cNvPr id="0" name=""/>
-        <dsp:cNvSpPr/>
-      </dsp:nvSpPr>
-      <dsp:spPr>
-        <a:xfrm>
-          <a:off x="5522811" y="2933847"/>
-          <a:ext cx="609281" cy="609281"/>
-        </a:xfrm>
-        <a:prstGeom prst="arc">
-          <a:avLst>
-            <a:gd name="adj1" fmla="val 13200000"/>
-            <a:gd name="adj2" fmla="val 19200000"/>
-          </a:avLst>
-        </a:prstGeom>
-        <a:noFill/>
-        <a:ln w="19050" cap="rnd" cmpd="sng" algn="ctr">
-          <a:solidFill>
-            <a:schemeClr val="accent1">
-              <a:shade val="60000"/>
-              <a:hueOff val="0"/>
-              <a:satOff val="0"/>
-              <a:lumOff val="0"/>
-              <a:alphaOff val="0"/>
-            </a:schemeClr>
-          </a:solidFill>
-          <a:prstDash val="solid"/>
-        </a:ln>
-        <a:effectLst/>
-      </dsp:spPr>
-      <dsp:style>
-        <a:lnRef idx="2">
-          <a:scrgbClr r="0" g="0" b="0"/>
-        </a:lnRef>
-        <a:fillRef idx="0">
-          <a:scrgbClr r="0" g="0" b="0"/>
-        </a:fillRef>
-        <a:effectRef idx="0">
-          <a:scrgbClr r="0" g="0" b="0"/>
-        </a:effectRef>
-        <a:fontRef idx="minor"/>
-      </dsp:style>
-    </dsp:sp>
-    <dsp:sp modelId="{95F362FF-5915-4157-A78F-76DD2D6C9278}">
-      <dsp:nvSpPr>
-        <dsp:cNvPr id="0" name=""/>
-        <dsp:cNvSpPr/>
-      </dsp:nvSpPr>
-      <dsp:spPr>
-        <a:xfrm>
-          <a:off x="5522811" y="2933847"/>
-          <a:ext cx="609281" cy="609281"/>
-        </a:xfrm>
-        <a:prstGeom prst="arc">
-          <a:avLst>
-            <a:gd name="adj1" fmla="val 2400000"/>
-            <a:gd name="adj2" fmla="val 8400000"/>
-          </a:avLst>
-        </a:prstGeom>
-        <a:noFill/>
-        <a:ln w="19050" cap="rnd" cmpd="sng" algn="ctr">
-          <a:solidFill>
-            <a:schemeClr val="accent1">
-              <a:shade val="60000"/>
-              <a:hueOff val="0"/>
-              <a:satOff val="0"/>
-              <a:lumOff val="0"/>
-              <a:alphaOff val="0"/>
-            </a:schemeClr>
-          </a:solidFill>
-          <a:prstDash val="solid"/>
-        </a:ln>
-        <a:effectLst/>
-      </dsp:spPr>
-      <dsp:style>
-        <a:lnRef idx="2">
-          <a:scrgbClr r="0" g="0" b="0"/>
-        </a:lnRef>
-        <a:fillRef idx="0">
-          <a:scrgbClr r="0" g="0" b="0"/>
-        </a:fillRef>
-        <a:effectRef idx="0">
-          <a:scrgbClr r="0" g="0" b="0"/>
-        </a:effectRef>
-        <a:fontRef idx="minor"/>
-      </dsp:style>
-    </dsp:sp>
-    <dsp:sp modelId="{80A983F2-C8FA-4095-A295-F4F79B79F46A}">
-      <dsp:nvSpPr>
-        <dsp:cNvPr id="0" name=""/>
-        <dsp:cNvSpPr/>
-      </dsp:nvSpPr>
-      <dsp:spPr>
-        <a:xfrm>
-          <a:off x="5218170" y="3043517"/>
-          <a:ext cx="1218562" cy="389940"/>
-        </a:xfrm>
-        <a:prstGeom prst="rect">
-          <a:avLst/>
-        </a:prstGeom>
-        <a:noFill/>
-        <a:ln w="19050" cap="rnd" cmpd="sng" algn="ctr">
-          <a:noFill/>
-          <a:prstDash val="solid"/>
-        </a:ln>
-        <a:effectLst/>
-        <a:sp3d/>
-      </dsp:spPr>
-      <dsp:style>
-        <a:lnRef idx="2">
-          <a:scrgbClr r="0" g="0" b="0"/>
-        </a:lnRef>
-        <a:fillRef idx="1">
-          <a:scrgbClr r="0" g="0" b="0"/>
-        </a:fillRef>
-        <a:effectRef idx="0">
-          <a:scrgbClr r="0" g="0" b="0"/>
-        </a:effectRef>
-        <a:fontRef idx="minor"/>
-      </dsp:style>
-      <dsp:txBody>
-        <a:bodyPr spcFirstLastPara="0" vert="horz" wrap="square" lIns="8890" tIns="8890" rIns="8890" bIns="8890" numCol="1" spcCol="1270" anchor="ctr" anchorCtr="0">
-          <a:noAutofit/>
-        </a:bodyPr>
-        <a:lstStyle/>
-        <a:p>
-          <a:pPr lvl="0" algn="ctr" defTabSz="622300">
-            <a:lnSpc>
-              <a:spcPct val="90000"/>
-            </a:lnSpc>
-            <a:spcBef>
-              <a:spcPct val="0"/>
-            </a:spcBef>
-            <a:spcAft>
-              <a:spcPct val="35000"/>
-            </a:spcAft>
-          </a:pPr>
-          <a:r>
-            <a:rPr lang="fr-FR" sz="1400" kern="1200" dirty="0"/>
-            <a:t>Mes Commandes</a:t>
-          </a:r>
-        </a:p>
-      </dsp:txBody>
-      <dsp:txXfrm>
-        <a:off x="5218170" y="3043517"/>
-        <a:ext cx="1218562" cy="389940"/>
-      </dsp:txXfrm>
-    </dsp:sp>
-    <dsp:sp modelId="{154F5485-44CC-4987-A675-817B4EE8D1E9}">
-      <dsp:nvSpPr>
-        <dsp:cNvPr id="0" name=""/>
-        <dsp:cNvSpPr/>
-      </dsp:nvSpPr>
-      <dsp:spPr>
-        <a:xfrm>
-          <a:off x="6205206" y="1203487"/>
-          <a:ext cx="609281" cy="609281"/>
-        </a:xfrm>
-        <a:prstGeom prst="arc">
-          <a:avLst>
-            <a:gd name="adj1" fmla="val 13200000"/>
-            <a:gd name="adj2" fmla="val 19200000"/>
-          </a:avLst>
-        </a:prstGeom>
-        <a:noFill/>
-        <a:ln w="19050" cap="rnd" cmpd="sng" algn="ctr">
-          <a:solidFill>
-            <a:schemeClr val="accent1">
-              <a:shade val="60000"/>
-              <a:hueOff val="0"/>
-              <a:satOff val="0"/>
-              <a:lumOff val="0"/>
-              <a:alphaOff val="0"/>
-            </a:schemeClr>
-          </a:solidFill>
-          <a:prstDash val="solid"/>
-        </a:ln>
-        <a:effectLst/>
-      </dsp:spPr>
-      <dsp:style>
-        <a:lnRef idx="2">
-          <a:scrgbClr r="0" g="0" b="0"/>
-        </a:lnRef>
-        <a:fillRef idx="0">
-          <a:scrgbClr r="0" g="0" b="0"/>
-        </a:fillRef>
-        <a:effectRef idx="0">
-          <a:scrgbClr r="0" g="0" b="0"/>
-        </a:effectRef>
-        <a:fontRef idx="minor"/>
-      </dsp:style>
-    </dsp:sp>
-    <dsp:sp modelId="{91BAC110-5281-4BED-894B-9ABBA9D6D2AD}">
-      <dsp:nvSpPr>
-        <dsp:cNvPr id="0" name=""/>
-        <dsp:cNvSpPr/>
-      </dsp:nvSpPr>
-      <dsp:spPr>
-        <a:xfrm>
-          <a:off x="6205206" y="1203487"/>
-          <a:ext cx="609281" cy="609281"/>
-        </a:xfrm>
-        <a:prstGeom prst="arc">
-          <a:avLst>
-            <a:gd name="adj1" fmla="val 2400000"/>
-            <a:gd name="adj2" fmla="val 8400000"/>
-          </a:avLst>
-        </a:prstGeom>
-        <a:noFill/>
-        <a:ln w="19050" cap="rnd" cmpd="sng" algn="ctr">
-          <a:solidFill>
-            <a:schemeClr val="accent1">
-              <a:shade val="60000"/>
-              <a:hueOff val="0"/>
-              <a:satOff val="0"/>
-              <a:lumOff val="0"/>
-              <a:alphaOff val="0"/>
-            </a:schemeClr>
-          </a:solidFill>
-          <a:prstDash val="solid"/>
-        </a:ln>
-        <a:effectLst/>
-      </dsp:spPr>
-      <dsp:style>
-        <a:lnRef idx="2">
-          <a:scrgbClr r="0" g="0" b="0"/>
-        </a:lnRef>
-        <a:fillRef idx="0">
-          <a:scrgbClr r="0" g="0" b="0"/>
-        </a:fillRef>
-        <a:effectRef idx="0">
-          <a:scrgbClr r="0" g="0" b="0"/>
-        </a:effectRef>
-        <a:fontRef idx="minor"/>
-      </dsp:style>
-    </dsp:sp>
-    <dsp:sp modelId="{62F1D2DB-4ED9-4CE2-86B1-785A0410CFF8}">
-      <dsp:nvSpPr>
-        <dsp:cNvPr id="0" name=""/>
-        <dsp:cNvSpPr/>
-      </dsp:nvSpPr>
-      <dsp:spPr>
-        <a:xfrm>
-          <a:off x="5900566" y="1313158"/>
-          <a:ext cx="1218562" cy="389940"/>
-        </a:xfrm>
-        <a:prstGeom prst="rect">
-          <a:avLst/>
-        </a:prstGeom>
-        <a:noFill/>
-        <a:ln w="19050" cap="rnd" cmpd="sng" algn="ctr">
-          <a:noFill/>
-          <a:prstDash val="solid"/>
-        </a:ln>
-        <a:effectLst/>
-        <a:sp3d/>
-      </dsp:spPr>
-      <dsp:style>
-        <a:lnRef idx="2">
-          <a:scrgbClr r="0" g="0" b="0"/>
-        </a:lnRef>
-        <a:fillRef idx="1">
-          <a:scrgbClr r="0" g="0" b="0"/>
-        </a:fillRef>
-        <a:effectRef idx="0">
-          <a:scrgbClr r="0" g="0" b="0"/>
-        </a:effectRef>
-        <a:fontRef idx="minor"/>
-      </dsp:style>
-      <dsp:txBody>
-        <a:bodyPr spcFirstLastPara="0" vert="horz" wrap="square" lIns="8890" tIns="8890" rIns="8890" bIns="8890" numCol="1" spcCol="1270" anchor="ctr" anchorCtr="0">
-          <a:noAutofit/>
-        </a:bodyPr>
-        <a:lstStyle/>
-        <a:p>
-          <a:pPr lvl="0" algn="ctr" defTabSz="622300">
-            <a:lnSpc>
-              <a:spcPct val="90000"/>
-            </a:lnSpc>
-            <a:spcBef>
-              <a:spcPct val="0"/>
-            </a:spcBef>
-            <a:spcAft>
-              <a:spcPct val="35000"/>
-            </a:spcAft>
-          </a:pPr>
-          <a:r>
-            <a:rPr lang="fr-FR" sz="1400" kern="1200" dirty="0"/>
-            <a:t>Panier</a:t>
-          </a:r>
-        </a:p>
-      </dsp:txBody>
-      <dsp:txXfrm>
-        <a:off x="5900566" y="1313158"/>
-        <a:ext cx="1218562" cy="389940"/>
-      </dsp:txXfrm>
-    </dsp:sp>
-    <dsp:sp modelId="{F8C41F8D-F049-4C9A-8081-A996524C2A84}">
-      <dsp:nvSpPr>
-        <dsp:cNvPr id="0" name=""/>
-        <dsp:cNvSpPr/>
-      </dsp:nvSpPr>
-      <dsp:spPr>
-        <a:xfrm>
-          <a:off x="7679668" y="1203487"/>
-          <a:ext cx="609281" cy="609281"/>
-        </a:xfrm>
-        <a:prstGeom prst="arc">
-          <a:avLst>
-            <a:gd name="adj1" fmla="val 13200000"/>
-            <a:gd name="adj2" fmla="val 19200000"/>
-          </a:avLst>
-        </a:prstGeom>
-        <a:noFill/>
-        <a:ln w="19050" cap="rnd" cmpd="sng" algn="ctr">
-          <a:solidFill>
-            <a:schemeClr val="accent1">
-              <a:shade val="60000"/>
-              <a:hueOff val="0"/>
-              <a:satOff val="0"/>
-              <a:lumOff val="0"/>
-              <a:alphaOff val="0"/>
-            </a:schemeClr>
-          </a:solidFill>
-          <a:prstDash val="solid"/>
-        </a:ln>
-        <a:effectLst/>
-      </dsp:spPr>
-      <dsp:style>
-        <a:lnRef idx="2">
-          <a:scrgbClr r="0" g="0" b="0"/>
-        </a:lnRef>
-        <a:fillRef idx="0">
-          <a:scrgbClr r="0" g="0" b="0"/>
-        </a:fillRef>
-        <a:effectRef idx="0">
-          <a:scrgbClr r="0" g="0" b="0"/>
-        </a:effectRef>
-        <a:fontRef idx="minor"/>
-      </dsp:style>
-    </dsp:sp>
-    <dsp:sp modelId="{53EDA904-F255-41BE-B348-27C7BBD5E0D8}">
-      <dsp:nvSpPr>
-        <dsp:cNvPr id="0" name=""/>
-        <dsp:cNvSpPr/>
-      </dsp:nvSpPr>
-      <dsp:spPr>
-        <a:xfrm>
-          <a:off x="7679668" y="1203487"/>
-          <a:ext cx="609281" cy="609281"/>
-        </a:xfrm>
-        <a:prstGeom prst="arc">
-          <a:avLst>
-            <a:gd name="adj1" fmla="val 2400000"/>
-            <a:gd name="adj2" fmla="val 8400000"/>
-          </a:avLst>
-        </a:prstGeom>
-        <a:noFill/>
-        <a:ln w="19050" cap="rnd" cmpd="sng" algn="ctr">
-          <a:solidFill>
-            <a:schemeClr val="accent1">
-              <a:shade val="60000"/>
-              <a:hueOff val="0"/>
-              <a:satOff val="0"/>
-              <a:lumOff val="0"/>
-              <a:alphaOff val="0"/>
-            </a:schemeClr>
-          </a:solidFill>
-          <a:prstDash val="solid"/>
-        </a:ln>
-        <a:effectLst/>
-      </dsp:spPr>
-      <dsp:style>
-        <a:lnRef idx="2">
-          <a:scrgbClr r="0" g="0" b="0"/>
-        </a:lnRef>
-        <a:fillRef idx="0">
-          <a:scrgbClr r="0" g="0" b="0"/>
-        </a:fillRef>
-        <a:effectRef idx="0">
-          <a:scrgbClr r="0" g="0" b="0"/>
-        </a:effectRef>
-        <a:fontRef idx="minor"/>
-      </dsp:style>
-    </dsp:sp>
-    <dsp:sp modelId="{3F1683B7-C968-4578-94CB-82AF2540E870}">
-      <dsp:nvSpPr>
-        <dsp:cNvPr id="0" name=""/>
-        <dsp:cNvSpPr/>
-      </dsp:nvSpPr>
-      <dsp:spPr>
-        <a:xfrm>
-          <a:off x="7375027" y="1313158"/>
-          <a:ext cx="1218562" cy="389940"/>
-        </a:xfrm>
-        <a:prstGeom prst="rect">
-          <a:avLst/>
-        </a:prstGeom>
-        <a:noFill/>
-        <a:ln w="19050" cap="rnd" cmpd="sng" algn="ctr">
-          <a:noFill/>
-          <a:prstDash val="solid"/>
-        </a:ln>
-        <a:effectLst/>
-        <a:sp3d/>
-      </dsp:spPr>
-      <dsp:style>
-        <a:lnRef idx="2">
-          <a:scrgbClr r="0" g="0" b="0"/>
-        </a:lnRef>
-        <a:fillRef idx="1">
-          <a:scrgbClr r="0" g="0" b="0"/>
-        </a:fillRef>
-        <a:effectRef idx="0">
-          <a:scrgbClr r="0" g="0" b="0"/>
-        </a:effectRef>
-        <a:fontRef idx="minor"/>
-      </dsp:style>
-      <dsp:txBody>
-        <a:bodyPr spcFirstLastPara="0" vert="horz" wrap="square" lIns="8890" tIns="8890" rIns="8890" bIns="8890" numCol="1" spcCol="1270" anchor="ctr" anchorCtr="0">
-          <a:noAutofit/>
-        </a:bodyPr>
-        <a:lstStyle/>
-        <a:p>
-          <a:pPr lvl="0" algn="ctr" defTabSz="622300">
-            <a:lnSpc>
-              <a:spcPct val="90000"/>
-            </a:lnSpc>
-            <a:spcBef>
-              <a:spcPct val="0"/>
-            </a:spcBef>
-            <a:spcAft>
-              <a:spcPct val="35000"/>
-            </a:spcAft>
-          </a:pPr>
-          <a:r>
-            <a:rPr lang="fr-FR" sz="1400" kern="1200" dirty="0"/>
-            <a:t>Nous Contacter</a:t>
-          </a:r>
-        </a:p>
-      </dsp:txBody>
-      <dsp:txXfrm>
-        <a:off x="7375027" y="1313158"/>
-        <a:ext cx="1218562" cy="389940"/>
-      </dsp:txXfrm>
-    </dsp:sp>
   </dsp:spTree>
 </dsp:drawing>
 </file>
@@ -13933,8 +11699,24 @@
           <a:p>
             <a:r>
               <a:rPr lang="fr-FR" dirty="0"/>
-              <a:t>L’absence remarqué de cours de php </a:t>
-            </a:r>
+              <a:t>L’absence remarqué de cours de </a:t>
+            </a:r>
+            <a:r>
+              <a:rPr lang="fr-FR" dirty="0" err="1"/>
+              <a:t>php</a:t>
+            </a:r>
+            <a:r>
+              <a:rPr lang="fr-FR" dirty="0"/>
+              <a:t> </a:t>
+            </a:r>
+            <a:endParaRPr lang="fr-FR" dirty="0" smtClean="0"/>
+          </a:p>
+          <a:p>
+            <a:r>
+              <a:rPr lang="fr-FR" dirty="0" smtClean="0"/>
+              <a:t>Absence de cours en Base de donnée</a:t>
+            </a:r>
+            <a:endParaRPr lang="fr-FR" dirty="0"/>
           </a:p>
         </p:txBody>
       </p:sp>
